--- a/figures/Lab_Meeting_Bird_212019.pptx
+++ b/figures/Lab_Meeting_Bird_212019.pptx
@@ -13,7 +13,14 @@
     <p:sldId id="260" r:id="rId7"/>
     <p:sldId id="261" r:id="rId8"/>
     <p:sldId id="262" r:id="rId9"/>
-    <p:sldId id="265" r:id="rId10"/>
+    <p:sldId id="271" r:id="rId10"/>
+    <p:sldId id="265" r:id="rId11"/>
+    <p:sldId id="272" r:id="rId12"/>
+    <p:sldId id="266" r:id="rId13"/>
+    <p:sldId id="269" r:id="rId14"/>
+    <p:sldId id="267" r:id="rId15"/>
+    <p:sldId id="270" r:id="rId16"/>
+    <p:sldId id="268" r:id="rId17"/>
   </p:sldIdLst>
   <p:sldSz cx="9144000" cy="6858000" type="screen4x3"/>
   <p:notesSz cx="6858000" cy="9144000"/>
@@ -112,6 +119,11 @@
       </a:defRPr>
     </a:lvl9pPr>
   </p:defaultTextStyle>
+  <p:extLst>
+    <p:ext uri="{EFAFB233-063F-42B5-8137-9DF3F51BA10A}">
+      <p15:sldGuideLst xmlns:p15="http://schemas.microsoft.com/office/powerpoint/2012/main"/>
+    </p:ext>
+  </p:extLst>
 </p:presentation>
 </file>
 
@@ -3031,6 +3043,521 @@
 </p:sld>
 </file>
 
+<file path=ppt/slides/slide10.xml><?xml version="1.0" encoding="utf-8"?>
+<p:sld xmlns:a="http://schemas.openxmlformats.org/drawingml/2006/main" xmlns:r="http://schemas.openxmlformats.org/officeDocument/2006/relationships" xmlns:p="http://schemas.openxmlformats.org/presentationml/2006/main">
+  <p:cSld>
+    <p:bg>
+      <p:bgPr>
+        <a:solidFill>
+          <a:schemeClr val="bg1"/>
+        </a:solidFill>
+        <a:effectLst/>
+      </p:bgPr>
+    </p:bg>
+    <p:spTree>
+      <p:nvGrpSpPr>
+        <p:cNvPr id="1" name=""/>
+        <p:cNvGrpSpPr/>
+        <p:nvPr/>
+      </p:nvGrpSpPr>
+      <p:grpSpPr>
+        <a:xfrm>
+          <a:off x="0" y="0"/>
+          <a:ext cx="0" cy="0"/>
+          <a:chOff x="0" y="0"/>
+          <a:chExt cx="0" cy="0"/>
+        </a:xfrm>
+      </p:grpSpPr>
+      <p:pic>
+        <p:nvPicPr>
+          <p:cNvPr id="7" name="Picture 6" descr="A close up of a map&#10;&#10;Description automatically generated">
+            <a:extLst>
+              <a:ext uri="{FF2B5EF4-FFF2-40B4-BE49-F238E27FC236}">
+                <a16:creationId xmlns:a16="http://schemas.microsoft.com/office/drawing/2014/main" id="{E6AE3D22-25E7-4FBB-8C4B-D361B37E19C2}"/>
+              </a:ext>
+            </a:extLst>
+          </p:cNvPr>
+          <p:cNvPicPr>
+            <a:picLocks noChangeAspect="1"/>
+          </p:cNvPicPr>
+          <p:nvPr/>
+        </p:nvPicPr>
+        <p:blipFill>
+          <a:blip r:embed="rId2">
+            <a:extLst>
+              <a:ext uri="{28A0092B-C50C-407E-A947-70E740481C1C}">
+                <a14:useLocalDpi xmlns:a14="http://schemas.microsoft.com/office/drawing/2010/main" val="0"/>
+              </a:ext>
+            </a:extLst>
+          </a:blip>
+          <a:stretch>
+            <a:fillRect/>
+          </a:stretch>
+        </p:blipFill>
+        <p:spPr>
+          <a:xfrm>
+            <a:off x="564038" y="643466"/>
+            <a:ext cx="8015923" cy="5571067"/>
+          </a:xfrm>
+          <a:prstGeom prst="rect">
+            <a:avLst/>
+          </a:prstGeom>
+        </p:spPr>
+      </p:pic>
+    </p:spTree>
+    <p:extLst>
+      <p:ext uri="{BB962C8B-B14F-4D97-AF65-F5344CB8AC3E}">
+        <p14:creationId xmlns:p14="http://schemas.microsoft.com/office/powerpoint/2010/main" val="4223747014"/>
+      </p:ext>
+    </p:extLst>
+  </p:cSld>
+  <p:clrMapOvr>
+    <a:masterClrMapping/>
+  </p:clrMapOvr>
+</p:sld>
+</file>
+
+<file path=ppt/slides/slide11.xml><?xml version="1.0" encoding="utf-8"?>
+<p:sld xmlns:a="http://schemas.openxmlformats.org/drawingml/2006/main" xmlns:r="http://schemas.openxmlformats.org/officeDocument/2006/relationships" xmlns:p="http://schemas.openxmlformats.org/presentationml/2006/main">
+  <p:cSld>
+    <p:bg>
+      <p:bgPr>
+        <a:solidFill>
+          <a:schemeClr val="bg1"/>
+        </a:solidFill>
+        <a:effectLst/>
+      </p:bgPr>
+    </p:bg>
+    <p:spTree>
+      <p:nvGrpSpPr>
+        <p:cNvPr id="1" name=""/>
+        <p:cNvGrpSpPr/>
+        <p:nvPr/>
+      </p:nvGrpSpPr>
+      <p:grpSpPr>
+        <a:xfrm>
+          <a:off x="0" y="0"/>
+          <a:ext cx="0" cy="0"/>
+          <a:chOff x="0" y="0"/>
+          <a:chExt cx="0" cy="0"/>
+        </a:xfrm>
+      </p:grpSpPr>
+      <p:pic>
+        <p:nvPicPr>
+          <p:cNvPr id="5" name="Picture 4" descr="A close up of a map&#10;&#10;Description automatically generated">
+            <a:extLst>
+              <a:ext uri="{FF2B5EF4-FFF2-40B4-BE49-F238E27FC236}">
+                <a16:creationId xmlns:a16="http://schemas.microsoft.com/office/drawing/2014/main" id="{7147C430-0E0A-4F2E-A3F5-A73F27A05BD7}"/>
+              </a:ext>
+            </a:extLst>
+          </p:cNvPr>
+          <p:cNvPicPr>
+            <a:picLocks noChangeAspect="1"/>
+          </p:cNvPicPr>
+          <p:nvPr/>
+        </p:nvPicPr>
+        <p:blipFill>
+          <a:blip r:embed="rId2">
+            <a:extLst>
+              <a:ext uri="{28A0092B-C50C-407E-A947-70E740481C1C}">
+                <a14:useLocalDpi xmlns:a14="http://schemas.microsoft.com/office/drawing/2010/main" val="0"/>
+              </a:ext>
+            </a:extLst>
+          </a:blip>
+          <a:stretch>
+            <a:fillRect/>
+          </a:stretch>
+        </p:blipFill>
+        <p:spPr>
+          <a:xfrm>
+            <a:off x="482600" y="861405"/>
+            <a:ext cx="8178799" cy="5135189"/>
+          </a:xfrm>
+          <a:prstGeom prst="rect">
+            <a:avLst/>
+          </a:prstGeom>
+        </p:spPr>
+      </p:pic>
+    </p:spTree>
+    <p:extLst>
+      <p:ext uri="{BB962C8B-B14F-4D97-AF65-F5344CB8AC3E}">
+        <p14:creationId xmlns:p14="http://schemas.microsoft.com/office/powerpoint/2010/main" val="2844914163"/>
+      </p:ext>
+    </p:extLst>
+  </p:cSld>
+  <p:clrMapOvr>
+    <a:masterClrMapping/>
+  </p:clrMapOvr>
+</p:sld>
+</file>
+
+<file path=ppt/slides/slide12.xml><?xml version="1.0" encoding="utf-8"?>
+<p:sld xmlns:a="http://schemas.openxmlformats.org/drawingml/2006/main" xmlns:r="http://schemas.openxmlformats.org/officeDocument/2006/relationships" xmlns:p="http://schemas.openxmlformats.org/presentationml/2006/main">
+  <p:cSld>
+    <p:bg>
+      <p:bgPr>
+        <a:solidFill>
+          <a:schemeClr val="bg1"/>
+        </a:solidFill>
+        <a:effectLst/>
+      </p:bgPr>
+    </p:bg>
+    <p:spTree>
+      <p:nvGrpSpPr>
+        <p:cNvPr id="1" name=""/>
+        <p:cNvGrpSpPr/>
+        <p:nvPr/>
+      </p:nvGrpSpPr>
+      <p:grpSpPr>
+        <a:xfrm>
+          <a:off x="0" y="0"/>
+          <a:ext cx="0" cy="0"/>
+          <a:chOff x="0" y="0"/>
+          <a:chExt cx="0" cy="0"/>
+        </a:xfrm>
+      </p:grpSpPr>
+      <p:pic>
+        <p:nvPicPr>
+          <p:cNvPr id="7" name="Picture 6" descr="A close up of a map&#10;&#10;Description automatically generated">
+            <a:extLst>
+              <a:ext uri="{FF2B5EF4-FFF2-40B4-BE49-F238E27FC236}">
+                <a16:creationId xmlns:a16="http://schemas.microsoft.com/office/drawing/2014/main" id="{58087EED-62CA-4178-B831-FC0D3F476C1E}"/>
+              </a:ext>
+            </a:extLst>
+          </p:cNvPr>
+          <p:cNvPicPr>
+            <a:picLocks noChangeAspect="1"/>
+          </p:cNvPicPr>
+          <p:nvPr/>
+        </p:nvPicPr>
+        <p:blipFill>
+          <a:blip r:embed="rId2">
+            <a:extLst>
+              <a:ext uri="{28A0092B-C50C-407E-A947-70E740481C1C}">
+                <a14:useLocalDpi xmlns:a14="http://schemas.microsoft.com/office/drawing/2010/main" val="0"/>
+              </a:ext>
+            </a:extLst>
+          </a:blip>
+          <a:stretch>
+            <a:fillRect/>
+          </a:stretch>
+        </p:blipFill>
+        <p:spPr>
+          <a:xfrm>
+            <a:off x="564038" y="643466"/>
+            <a:ext cx="8015923" cy="5571067"/>
+          </a:xfrm>
+          <a:prstGeom prst="rect">
+            <a:avLst/>
+          </a:prstGeom>
+        </p:spPr>
+      </p:pic>
+    </p:spTree>
+    <p:extLst>
+      <p:ext uri="{BB962C8B-B14F-4D97-AF65-F5344CB8AC3E}">
+        <p14:creationId xmlns:p14="http://schemas.microsoft.com/office/powerpoint/2010/main" val="3313427863"/>
+      </p:ext>
+    </p:extLst>
+  </p:cSld>
+  <p:clrMapOvr>
+    <a:masterClrMapping/>
+  </p:clrMapOvr>
+</p:sld>
+</file>
+
+<file path=ppt/slides/slide13.xml><?xml version="1.0" encoding="utf-8"?>
+<p:sld xmlns:a="http://schemas.openxmlformats.org/drawingml/2006/main" xmlns:r="http://schemas.openxmlformats.org/officeDocument/2006/relationships" xmlns:p="http://schemas.openxmlformats.org/presentationml/2006/main">
+  <p:cSld>
+    <p:bg>
+      <p:bgPr>
+        <a:solidFill>
+          <a:schemeClr val="bg1"/>
+        </a:solidFill>
+        <a:effectLst/>
+      </p:bgPr>
+    </p:bg>
+    <p:spTree>
+      <p:nvGrpSpPr>
+        <p:cNvPr id="1" name=""/>
+        <p:cNvGrpSpPr/>
+        <p:nvPr/>
+      </p:nvGrpSpPr>
+      <p:grpSpPr>
+        <a:xfrm>
+          <a:off x="0" y="0"/>
+          <a:ext cx="0" cy="0"/>
+          <a:chOff x="0" y="0"/>
+          <a:chExt cx="0" cy="0"/>
+        </a:xfrm>
+      </p:grpSpPr>
+      <p:pic>
+        <p:nvPicPr>
+          <p:cNvPr id="5" name="Picture 4" descr="A close up of a map&#10;&#10;Description automatically generated">
+            <a:extLst>
+              <a:ext uri="{FF2B5EF4-FFF2-40B4-BE49-F238E27FC236}">
+                <a16:creationId xmlns:a16="http://schemas.microsoft.com/office/drawing/2014/main" id="{A189E745-69DC-4B48-BFBB-1DA02102577F}"/>
+              </a:ext>
+            </a:extLst>
+          </p:cNvPr>
+          <p:cNvPicPr>
+            <a:picLocks noChangeAspect="1"/>
+          </p:cNvPicPr>
+          <p:nvPr/>
+        </p:nvPicPr>
+        <p:blipFill rotWithShape="1">
+          <a:blip r:embed="rId2">
+            <a:extLst>
+              <a:ext uri="{28A0092B-C50C-407E-A947-70E740481C1C}">
+                <a14:useLocalDpi xmlns:a14="http://schemas.microsoft.com/office/drawing/2010/main" val="0"/>
+              </a:ext>
+            </a:extLst>
+          </a:blip>
+          <a:srcRect l="443" r="11306" b="6"/>
+          <a:stretch/>
+        </p:blipFill>
+        <p:spPr>
+          <a:xfrm>
+            <a:off x="656512" y="643467"/>
+            <a:ext cx="7830976" cy="5571066"/>
+          </a:xfrm>
+          <a:prstGeom prst="rect">
+            <a:avLst/>
+          </a:prstGeom>
+        </p:spPr>
+      </p:pic>
+    </p:spTree>
+    <p:extLst>
+      <p:ext uri="{BB962C8B-B14F-4D97-AF65-F5344CB8AC3E}">
+        <p14:creationId xmlns:p14="http://schemas.microsoft.com/office/powerpoint/2010/main" val="3536623141"/>
+      </p:ext>
+    </p:extLst>
+  </p:cSld>
+  <p:clrMapOvr>
+    <a:masterClrMapping/>
+  </p:clrMapOvr>
+</p:sld>
+</file>
+
+<file path=ppt/slides/slide14.xml><?xml version="1.0" encoding="utf-8"?>
+<p:sld xmlns:a="http://schemas.openxmlformats.org/drawingml/2006/main" xmlns:r="http://schemas.openxmlformats.org/officeDocument/2006/relationships" xmlns:p="http://schemas.openxmlformats.org/presentationml/2006/main">
+  <p:cSld>
+    <p:bg>
+      <p:bgPr>
+        <a:solidFill>
+          <a:schemeClr val="bg1"/>
+        </a:solidFill>
+        <a:effectLst/>
+      </p:bgPr>
+    </p:bg>
+    <p:spTree>
+      <p:nvGrpSpPr>
+        <p:cNvPr id="1" name=""/>
+        <p:cNvGrpSpPr/>
+        <p:nvPr/>
+      </p:nvGrpSpPr>
+      <p:grpSpPr>
+        <a:xfrm>
+          <a:off x="0" y="0"/>
+          <a:ext cx="0" cy="0"/>
+          <a:chOff x="0" y="0"/>
+          <a:chExt cx="0" cy="0"/>
+        </a:xfrm>
+      </p:grpSpPr>
+      <p:pic>
+        <p:nvPicPr>
+          <p:cNvPr id="7" name="Picture 6" descr="A close up of a map&#10;&#10;Description automatically generated">
+            <a:extLst>
+              <a:ext uri="{FF2B5EF4-FFF2-40B4-BE49-F238E27FC236}">
+                <a16:creationId xmlns:a16="http://schemas.microsoft.com/office/drawing/2014/main" id="{12921E8C-660A-48D2-B251-2485966F0145}"/>
+              </a:ext>
+            </a:extLst>
+          </p:cNvPr>
+          <p:cNvPicPr>
+            <a:picLocks noChangeAspect="1"/>
+          </p:cNvPicPr>
+          <p:nvPr/>
+        </p:nvPicPr>
+        <p:blipFill>
+          <a:blip r:embed="rId2">
+            <a:extLst>
+              <a:ext uri="{28A0092B-C50C-407E-A947-70E740481C1C}">
+                <a14:useLocalDpi xmlns:a14="http://schemas.microsoft.com/office/drawing/2010/main" val="0"/>
+              </a:ext>
+            </a:extLst>
+          </a:blip>
+          <a:stretch>
+            <a:fillRect/>
+          </a:stretch>
+        </p:blipFill>
+        <p:spPr>
+          <a:xfrm>
+            <a:off x="564038" y="643466"/>
+            <a:ext cx="8015923" cy="5571067"/>
+          </a:xfrm>
+          <a:prstGeom prst="rect">
+            <a:avLst/>
+          </a:prstGeom>
+        </p:spPr>
+      </p:pic>
+    </p:spTree>
+    <p:extLst>
+      <p:ext uri="{BB962C8B-B14F-4D97-AF65-F5344CB8AC3E}">
+        <p14:creationId xmlns:p14="http://schemas.microsoft.com/office/powerpoint/2010/main" val="1550562310"/>
+      </p:ext>
+    </p:extLst>
+  </p:cSld>
+  <p:clrMapOvr>
+    <a:masterClrMapping/>
+  </p:clrMapOvr>
+</p:sld>
+</file>
+
+<file path=ppt/slides/slide15.xml><?xml version="1.0" encoding="utf-8"?>
+<p:sld xmlns:a="http://schemas.openxmlformats.org/drawingml/2006/main" xmlns:r="http://schemas.openxmlformats.org/officeDocument/2006/relationships" xmlns:p="http://schemas.openxmlformats.org/presentationml/2006/main">
+  <p:cSld>
+    <p:bg>
+      <p:bgPr>
+        <a:solidFill>
+          <a:schemeClr val="bg1"/>
+        </a:solidFill>
+        <a:effectLst/>
+      </p:bgPr>
+    </p:bg>
+    <p:spTree>
+      <p:nvGrpSpPr>
+        <p:cNvPr id="1" name=""/>
+        <p:cNvGrpSpPr/>
+        <p:nvPr/>
+      </p:nvGrpSpPr>
+      <p:grpSpPr>
+        <a:xfrm>
+          <a:off x="0" y="0"/>
+          <a:ext cx="0" cy="0"/>
+          <a:chOff x="0" y="0"/>
+          <a:chExt cx="0" cy="0"/>
+        </a:xfrm>
+      </p:grpSpPr>
+      <p:pic>
+        <p:nvPicPr>
+          <p:cNvPr id="5" name="Picture 4" descr="A close up of a map&#10;&#10;Description automatically generated">
+            <a:extLst>
+              <a:ext uri="{FF2B5EF4-FFF2-40B4-BE49-F238E27FC236}">
+                <a16:creationId xmlns:a16="http://schemas.microsoft.com/office/drawing/2014/main" id="{DD7C0DDC-6398-4C3A-B571-630E9C8930AA}"/>
+              </a:ext>
+            </a:extLst>
+          </p:cNvPr>
+          <p:cNvPicPr>
+            <a:picLocks noChangeAspect="1"/>
+          </p:cNvPicPr>
+          <p:nvPr/>
+        </p:nvPicPr>
+        <p:blipFill rotWithShape="1">
+          <a:blip r:embed="rId2">
+            <a:extLst>
+              <a:ext uri="{28A0092B-C50C-407E-A947-70E740481C1C}">
+                <a14:useLocalDpi xmlns:a14="http://schemas.microsoft.com/office/drawing/2010/main" val="0"/>
+              </a:ext>
+            </a:extLst>
+          </a:blip>
+          <a:srcRect r="11212"/>
+          <a:stretch/>
+        </p:blipFill>
+        <p:spPr>
+          <a:xfrm>
+            <a:off x="941096" y="861405"/>
+            <a:ext cx="7261808" cy="5135189"/>
+          </a:xfrm>
+          <a:prstGeom prst="rect">
+            <a:avLst/>
+          </a:prstGeom>
+        </p:spPr>
+      </p:pic>
+    </p:spTree>
+    <p:extLst>
+      <p:ext uri="{BB962C8B-B14F-4D97-AF65-F5344CB8AC3E}">
+        <p14:creationId xmlns:p14="http://schemas.microsoft.com/office/powerpoint/2010/main" val="1421708660"/>
+      </p:ext>
+    </p:extLst>
+  </p:cSld>
+  <p:clrMapOvr>
+    <a:masterClrMapping/>
+  </p:clrMapOvr>
+</p:sld>
+</file>
+
+<file path=ppt/slides/slide16.xml><?xml version="1.0" encoding="utf-8"?>
+<p:sld xmlns:a="http://schemas.openxmlformats.org/drawingml/2006/main" xmlns:r="http://schemas.openxmlformats.org/officeDocument/2006/relationships" xmlns:p="http://schemas.openxmlformats.org/presentationml/2006/main">
+  <p:cSld>
+    <p:bg>
+      <p:bgPr>
+        <a:solidFill>
+          <a:schemeClr val="bg1"/>
+        </a:solidFill>
+        <a:effectLst/>
+      </p:bgPr>
+    </p:bg>
+    <p:spTree>
+      <p:nvGrpSpPr>
+        <p:cNvPr id="1" name=""/>
+        <p:cNvGrpSpPr/>
+        <p:nvPr/>
+      </p:nvGrpSpPr>
+      <p:grpSpPr>
+        <a:xfrm>
+          <a:off x="0" y="0"/>
+          <a:ext cx="0" cy="0"/>
+          <a:chOff x="0" y="0"/>
+          <a:chExt cx="0" cy="0"/>
+        </a:xfrm>
+      </p:grpSpPr>
+      <p:pic>
+        <p:nvPicPr>
+          <p:cNvPr id="9" name="Picture 8" descr="A close up of a map&#10;&#10;Description automatically generated">
+            <a:extLst>
+              <a:ext uri="{FF2B5EF4-FFF2-40B4-BE49-F238E27FC236}">
+                <a16:creationId xmlns:a16="http://schemas.microsoft.com/office/drawing/2014/main" id="{FF6B257C-04A1-4041-AF8A-F75C40A8908B}"/>
+              </a:ext>
+            </a:extLst>
+          </p:cNvPr>
+          <p:cNvPicPr>
+            <a:picLocks noChangeAspect="1"/>
+          </p:cNvPicPr>
+          <p:nvPr/>
+        </p:nvPicPr>
+        <p:blipFill rotWithShape="1">
+          <a:blip r:embed="rId2">
+            <a:extLst>
+              <a:ext uri="{28A0092B-C50C-407E-A947-70E740481C1C}">
+                <a14:useLocalDpi xmlns:a14="http://schemas.microsoft.com/office/drawing/2010/main" val="0"/>
+              </a:ext>
+            </a:extLst>
+          </a:blip>
+          <a:srcRect r="7514"/>
+          <a:stretch/>
+        </p:blipFill>
+        <p:spPr>
+          <a:xfrm>
+            <a:off x="713328" y="643466"/>
+            <a:ext cx="7413635" cy="5571067"/>
+          </a:xfrm>
+          <a:prstGeom prst="rect">
+            <a:avLst/>
+          </a:prstGeom>
+        </p:spPr>
+      </p:pic>
+    </p:spTree>
+    <p:extLst>
+      <p:ext uri="{BB962C8B-B14F-4D97-AF65-F5344CB8AC3E}">
+        <p14:creationId xmlns:p14="http://schemas.microsoft.com/office/powerpoint/2010/main" val="532232999"/>
+      </p:ext>
+    </p:extLst>
+  </p:cSld>
+  <p:clrMapOvr>
+    <a:masterClrMapping/>
+  </p:clrMapOvr>
+</p:sld>
+</file>
+
 <file path=ppt/slides/slide2.xml><?xml version="1.0" encoding="utf-8"?>
 <p:sld xmlns:a="http://schemas.openxmlformats.org/drawingml/2006/main" xmlns:r="http://schemas.openxmlformats.org/officeDocument/2006/relationships" xmlns:p="http://schemas.openxmlformats.org/presentationml/2006/main">
   <p:cSld>
@@ -3150,8 +3677,8 @@
           </a:p>
         </p:txBody>
       </p:sp>
-      <mc:AlternateContent xmlns:mc="http://schemas.openxmlformats.org/markup-compatibility/2006">
-        <mc:Choice xmlns:a14="http://schemas.microsoft.com/office/drawing/2010/main" Requires="a14">
+      <mc:AlternateContent xmlns:mc="http://schemas.openxmlformats.org/markup-compatibility/2006" xmlns:a14="http://schemas.microsoft.com/office/drawing/2010/main">
+        <mc:Choice Requires="a14">
           <p:sp>
             <p:nvSpPr>
               <p:cNvPr id="3" name="Content Placeholder 2">
@@ -3333,7 +3860,7 @@
             </p:txBody>
           </p:sp>
         </mc:Choice>
-        <mc:Fallback>
+        <mc:Fallback xmlns="">
           <p:sp>
             <p:nvSpPr>
               <p:cNvPr id="3" name="Content Placeholder 2">
@@ -3377,8 +3904,8 @@
           </p:sp>
         </mc:Fallback>
       </mc:AlternateContent>
-      <mc:AlternateContent xmlns:mc="http://schemas.openxmlformats.org/markup-compatibility/2006">
-        <mc:Choice xmlns:a14="http://schemas.microsoft.com/office/drawing/2010/main" Requires="a14">
+      <mc:AlternateContent xmlns:mc="http://schemas.openxmlformats.org/markup-compatibility/2006" xmlns:a14="http://schemas.microsoft.com/office/drawing/2010/main">
+        <mc:Choice Requires="a14">
           <p:sp>
             <p:nvSpPr>
               <p:cNvPr id="4" name="TextBox 3">
@@ -3407,6 +3934,7 @@
               </a:bodyPr>
               <a:lstStyle/>
               <a:p>
+                <a:pPr/>
                 <a14:m>
                   <m:oMathPara xmlns:m="http://schemas.openxmlformats.org/officeDocument/2006/math">
                     <m:oMathParaPr>
@@ -3505,6 +4033,7 @@
                 </a:endParaRPr>
               </a:p>
               <a:p>
+                <a:pPr/>
                 <a14:m>
                   <m:oMathPara xmlns:m="http://schemas.openxmlformats.org/officeDocument/2006/math">
                     <m:oMathParaPr>
@@ -3681,7 +4210,7 @@
             </p:txBody>
           </p:sp>
         </mc:Choice>
-        <mc:Fallback>
+        <mc:Fallback xmlns="">
           <p:sp>
             <p:nvSpPr>
               <p:cNvPr id="4" name="TextBox 3">
@@ -4488,60 +5017,46 @@
           <a:chExt cx="0" cy="0"/>
         </a:xfrm>
       </p:grpSpPr>
-      <p:sp>
-        <p:nvSpPr>
-          <p:cNvPr id="2" name="Title 1">
+      <p:pic>
+        <p:nvPicPr>
+          <p:cNvPr id="5" name="Picture 4" descr="A screenshot of a cell phone&#10;&#10;Description automatically generated">
             <a:extLst>
               <a:ext uri="{FF2B5EF4-FFF2-40B4-BE49-F238E27FC236}">
-                <a16:creationId xmlns:a16="http://schemas.microsoft.com/office/drawing/2014/main" id="{F0316361-B426-4E6B-B1AF-5733A048B626}"/>
+                <a16:creationId xmlns:a16="http://schemas.microsoft.com/office/drawing/2014/main" id="{76A27924-9004-4C6F-8661-52018FFC03BC}"/>
               </a:ext>
             </a:extLst>
           </p:cNvPr>
-          <p:cNvSpPr>
-            <a:spLocks noGrp="1"/>
-          </p:cNvSpPr>
-          <p:nvPr>
-            <p:ph type="title"/>
-          </p:nvPr>
-        </p:nvSpPr>
-        <p:spPr/>
-        <p:txBody>
-          <a:bodyPr/>
-          <a:lstStyle/>
-          <a:p>
-            <a:endParaRPr lang="en-US"/>
-          </a:p>
-        </p:txBody>
-      </p:sp>
-      <p:sp>
-        <p:nvSpPr>
-          <p:cNvPr id="3" name="Content Placeholder 2">
+          <p:cNvPicPr>
+            <a:picLocks noChangeAspect="1"/>
+          </p:cNvPicPr>
+          <p:nvPr/>
+        </p:nvPicPr>
+        <p:blipFill>
+          <a:blip r:embed="rId2">
             <a:extLst>
-              <a:ext uri="{FF2B5EF4-FFF2-40B4-BE49-F238E27FC236}">
-                <a16:creationId xmlns:a16="http://schemas.microsoft.com/office/drawing/2014/main" id="{2CDE4B93-14C4-4D76-86D2-55A8A7B7182F}"/>
+              <a:ext uri="{28A0092B-C50C-407E-A947-70E740481C1C}">
+                <a14:useLocalDpi xmlns:a14="http://schemas.microsoft.com/office/drawing/2010/main" val="0"/>
               </a:ext>
             </a:extLst>
-          </p:cNvPr>
-          <p:cNvSpPr>
-            <a:spLocks noGrp="1"/>
-          </p:cNvSpPr>
-          <p:nvPr>
-            <p:ph idx="1"/>
-          </p:nvPr>
-        </p:nvSpPr>
-        <p:spPr/>
-        <p:txBody>
-          <a:bodyPr/>
-          <a:lstStyle/>
-          <a:p>
-            <a:endParaRPr lang="en-US"/>
-          </a:p>
-        </p:txBody>
-      </p:sp>
+          </a:blip>
+          <a:stretch>
+            <a:fillRect/>
+          </a:stretch>
+        </p:blipFill>
+        <p:spPr>
+          <a:xfrm>
+            <a:off x="356757" y="782393"/>
+            <a:ext cx="8430485" cy="5293214"/>
+          </a:xfrm>
+          <a:prstGeom prst="rect">
+            <a:avLst/>
+          </a:prstGeom>
+        </p:spPr>
+      </p:pic>
     </p:spTree>
     <p:extLst>
       <p:ext uri="{BB962C8B-B14F-4D97-AF65-F5344CB8AC3E}">
-        <p14:creationId xmlns:p14="http://schemas.microsoft.com/office/powerpoint/2010/main" val="4223747014"/>
+        <p14:creationId xmlns:p14="http://schemas.microsoft.com/office/powerpoint/2010/main" val="1564901410"/>
       </p:ext>
     </p:extLst>
   </p:cSld>

--- a/figures/Lab_Meeting_Bird_212019.pptx
+++ b/figures/Lab_Meeting_Bird_212019.pptx
@@ -21,6 +21,10 @@
     <p:sldId id="267" r:id="rId15"/>
     <p:sldId id="270" r:id="rId16"/>
     <p:sldId id="268" r:id="rId17"/>
+    <p:sldId id="276" r:id="rId18"/>
+    <p:sldId id="273" r:id="rId19"/>
+    <p:sldId id="275" r:id="rId20"/>
+    <p:sldId id="274" r:id="rId21"/>
   </p:sldIdLst>
   <p:sldSz cx="9144000" cy="6858000" type="screen4x3"/>
   <p:notesSz cx="6858000" cy="9144000"/>
@@ -3558,6 +3562,228 @@
 </p:sld>
 </file>
 
+<file path=ppt/slides/slide17.xml><?xml version="1.0" encoding="utf-8"?>
+<p:sld xmlns:a="http://schemas.openxmlformats.org/drawingml/2006/main" xmlns:r="http://schemas.openxmlformats.org/officeDocument/2006/relationships" xmlns:p="http://schemas.openxmlformats.org/presentationml/2006/main">
+  <p:cSld>
+    <p:bg>
+      <p:bgPr>
+        <a:solidFill>
+          <a:schemeClr val="bg1"/>
+        </a:solidFill>
+        <a:effectLst/>
+      </p:bgPr>
+    </p:bg>
+    <p:spTree>
+      <p:nvGrpSpPr>
+        <p:cNvPr id="1" name=""/>
+        <p:cNvGrpSpPr/>
+        <p:nvPr/>
+      </p:nvGrpSpPr>
+      <p:grpSpPr>
+        <a:xfrm>
+          <a:off x="0" y="0"/>
+          <a:ext cx="0" cy="0"/>
+          <a:chOff x="0" y="0"/>
+          <a:chExt cx="0" cy="0"/>
+        </a:xfrm>
+      </p:grpSpPr>
+      <p:pic>
+        <p:nvPicPr>
+          <p:cNvPr id="7" name="Picture 6" descr="A close up of a map&#10;&#10;Description automatically generated">
+            <a:extLst>
+              <a:ext uri="{FF2B5EF4-FFF2-40B4-BE49-F238E27FC236}">
+                <a16:creationId xmlns:a16="http://schemas.microsoft.com/office/drawing/2014/main" id="{06820BF5-B4CD-421C-B2C7-5CAB7DE214F6}"/>
+              </a:ext>
+            </a:extLst>
+          </p:cNvPr>
+          <p:cNvPicPr>
+            <a:picLocks noChangeAspect="1"/>
+          </p:cNvPicPr>
+          <p:nvPr/>
+        </p:nvPicPr>
+        <p:blipFill>
+          <a:blip r:embed="rId2">
+            <a:extLst>
+              <a:ext uri="{28A0092B-C50C-407E-A947-70E740481C1C}">
+                <a14:useLocalDpi xmlns:a14="http://schemas.microsoft.com/office/drawing/2010/main" val="0"/>
+              </a:ext>
+            </a:extLst>
+          </a:blip>
+          <a:stretch>
+            <a:fillRect/>
+          </a:stretch>
+        </p:blipFill>
+        <p:spPr>
+          <a:xfrm>
+            <a:off x="482600" y="861405"/>
+            <a:ext cx="8178799" cy="5135189"/>
+          </a:xfrm>
+          <a:prstGeom prst="rect">
+            <a:avLst/>
+          </a:prstGeom>
+        </p:spPr>
+      </p:pic>
+    </p:spTree>
+    <p:extLst>
+      <p:ext uri="{BB962C8B-B14F-4D97-AF65-F5344CB8AC3E}">
+        <p14:creationId xmlns:p14="http://schemas.microsoft.com/office/powerpoint/2010/main" val="293002364"/>
+      </p:ext>
+    </p:extLst>
+  </p:cSld>
+  <p:clrMapOvr>
+    <a:masterClrMapping/>
+  </p:clrMapOvr>
+</p:sld>
+</file>
+
+<file path=ppt/slides/slide18.xml><?xml version="1.0" encoding="utf-8"?>
+<p:sld xmlns:a="http://schemas.openxmlformats.org/drawingml/2006/main" xmlns:r="http://schemas.openxmlformats.org/officeDocument/2006/relationships" xmlns:p="http://schemas.openxmlformats.org/presentationml/2006/main">
+  <p:cSld>
+    <p:bg>
+      <p:bgPr>
+        <a:solidFill>
+          <a:schemeClr val="bg1"/>
+        </a:solidFill>
+        <a:effectLst/>
+      </p:bgPr>
+    </p:bg>
+    <p:spTree>
+      <p:nvGrpSpPr>
+        <p:cNvPr id="1" name=""/>
+        <p:cNvGrpSpPr/>
+        <p:nvPr/>
+      </p:nvGrpSpPr>
+      <p:grpSpPr>
+        <a:xfrm>
+          <a:off x="0" y="0"/>
+          <a:ext cx="0" cy="0"/>
+          <a:chOff x="0" y="0"/>
+          <a:chExt cx="0" cy="0"/>
+        </a:xfrm>
+      </p:grpSpPr>
+      <p:pic>
+        <p:nvPicPr>
+          <p:cNvPr id="5" name="Picture 4" descr="A screenshot of a cell phone&#10;&#10;Description automatically generated">
+            <a:extLst>
+              <a:ext uri="{FF2B5EF4-FFF2-40B4-BE49-F238E27FC236}">
+                <a16:creationId xmlns:a16="http://schemas.microsoft.com/office/drawing/2014/main" id="{9B8FF5E9-AD6B-4C95-AA5E-FDB2FD4CC405}"/>
+              </a:ext>
+            </a:extLst>
+          </p:cNvPr>
+          <p:cNvPicPr>
+            <a:picLocks noChangeAspect="1"/>
+          </p:cNvPicPr>
+          <p:nvPr/>
+        </p:nvPicPr>
+        <p:blipFill>
+          <a:blip r:embed="rId2">
+            <a:extLst>
+              <a:ext uri="{28A0092B-C50C-407E-A947-70E740481C1C}">
+                <a14:useLocalDpi xmlns:a14="http://schemas.microsoft.com/office/drawing/2010/main" val="0"/>
+              </a:ext>
+            </a:extLst>
+          </a:blip>
+          <a:stretch>
+            <a:fillRect/>
+          </a:stretch>
+        </p:blipFill>
+        <p:spPr>
+          <a:xfrm>
+            <a:off x="482600" y="861405"/>
+            <a:ext cx="8178799" cy="5135189"/>
+          </a:xfrm>
+          <a:prstGeom prst="rect">
+            <a:avLst/>
+          </a:prstGeom>
+        </p:spPr>
+      </p:pic>
+    </p:spTree>
+    <p:extLst>
+      <p:ext uri="{BB962C8B-B14F-4D97-AF65-F5344CB8AC3E}">
+        <p14:creationId xmlns:p14="http://schemas.microsoft.com/office/powerpoint/2010/main" val="4139717342"/>
+      </p:ext>
+    </p:extLst>
+  </p:cSld>
+  <p:clrMapOvr>
+    <a:masterClrMapping/>
+  </p:clrMapOvr>
+</p:sld>
+</file>
+
+<file path=ppt/slides/slide19.xml><?xml version="1.0" encoding="utf-8"?>
+<p:sld xmlns:a="http://schemas.openxmlformats.org/drawingml/2006/main" xmlns:r="http://schemas.openxmlformats.org/officeDocument/2006/relationships" xmlns:p="http://schemas.openxmlformats.org/presentationml/2006/main">
+  <p:cSld>
+    <p:bg>
+      <p:bgPr>
+        <a:solidFill>
+          <a:schemeClr val="bg1"/>
+        </a:solidFill>
+        <a:effectLst/>
+      </p:bgPr>
+    </p:bg>
+    <p:spTree>
+      <p:nvGrpSpPr>
+        <p:cNvPr id="1" name=""/>
+        <p:cNvGrpSpPr/>
+        <p:nvPr/>
+      </p:nvGrpSpPr>
+      <p:grpSpPr>
+        <a:xfrm>
+          <a:off x="0" y="0"/>
+          <a:ext cx="0" cy="0"/>
+          <a:chOff x="0" y="0"/>
+          <a:chExt cx="0" cy="0"/>
+        </a:xfrm>
+      </p:grpSpPr>
+      <p:pic>
+        <p:nvPicPr>
+          <p:cNvPr id="5" name="Picture 4" descr="A screenshot of a cell phone&#10;&#10;Description automatically generated">
+            <a:extLst>
+              <a:ext uri="{FF2B5EF4-FFF2-40B4-BE49-F238E27FC236}">
+                <a16:creationId xmlns:a16="http://schemas.microsoft.com/office/drawing/2014/main" id="{2E575B7B-E6CA-42F2-9CEA-8A1DAA8508E2}"/>
+              </a:ext>
+            </a:extLst>
+          </p:cNvPr>
+          <p:cNvPicPr>
+            <a:picLocks noChangeAspect="1"/>
+          </p:cNvPicPr>
+          <p:nvPr/>
+        </p:nvPicPr>
+        <p:blipFill>
+          <a:blip r:embed="rId2">
+            <a:extLst>
+              <a:ext uri="{28A0092B-C50C-407E-A947-70E740481C1C}">
+                <a14:useLocalDpi xmlns:a14="http://schemas.microsoft.com/office/drawing/2010/main" val="0"/>
+              </a:ext>
+            </a:extLst>
+          </a:blip>
+          <a:stretch>
+            <a:fillRect/>
+          </a:stretch>
+        </p:blipFill>
+        <p:spPr>
+          <a:xfrm>
+            <a:off x="482600" y="861405"/>
+            <a:ext cx="8178799" cy="5135189"/>
+          </a:xfrm>
+          <a:prstGeom prst="rect">
+            <a:avLst/>
+          </a:prstGeom>
+        </p:spPr>
+      </p:pic>
+    </p:spTree>
+    <p:extLst>
+      <p:ext uri="{BB962C8B-B14F-4D97-AF65-F5344CB8AC3E}">
+        <p14:creationId xmlns:p14="http://schemas.microsoft.com/office/powerpoint/2010/main" val="1099398222"/>
+      </p:ext>
+    </p:extLst>
+  </p:cSld>
+  <p:clrMapOvr>
+    <a:masterClrMapping/>
+  </p:clrMapOvr>
+</p:sld>
+</file>
+
 <file path=ppt/slides/slide2.xml><?xml version="1.0" encoding="utf-8"?>
 <p:sld xmlns:a="http://schemas.openxmlformats.org/drawingml/2006/main" xmlns:r="http://schemas.openxmlformats.org/officeDocument/2006/relationships" xmlns:p="http://schemas.openxmlformats.org/presentationml/2006/main">
   <p:cSld>
@@ -3622,6 +3848,80 @@
     <p:extLst>
       <p:ext uri="{BB962C8B-B14F-4D97-AF65-F5344CB8AC3E}">
         <p14:creationId xmlns:p14="http://schemas.microsoft.com/office/powerpoint/2010/main" val="3223847940"/>
+      </p:ext>
+    </p:extLst>
+  </p:cSld>
+  <p:clrMapOvr>
+    <a:masterClrMapping/>
+  </p:clrMapOvr>
+</p:sld>
+</file>
+
+<file path=ppt/slides/slide20.xml><?xml version="1.0" encoding="utf-8"?>
+<p:sld xmlns:a="http://schemas.openxmlformats.org/drawingml/2006/main" xmlns:r="http://schemas.openxmlformats.org/officeDocument/2006/relationships" xmlns:p="http://schemas.openxmlformats.org/presentationml/2006/main">
+  <p:cSld>
+    <p:bg>
+      <p:bgPr>
+        <a:solidFill>
+          <a:schemeClr val="bg1"/>
+        </a:solidFill>
+        <a:effectLst/>
+      </p:bgPr>
+    </p:bg>
+    <p:spTree>
+      <p:nvGrpSpPr>
+        <p:cNvPr id="1" name=""/>
+        <p:cNvGrpSpPr/>
+        <p:nvPr/>
+      </p:nvGrpSpPr>
+      <p:grpSpPr>
+        <a:xfrm>
+          <a:off x="0" y="0"/>
+          <a:ext cx="0" cy="0"/>
+          <a:chOff x="0" y="0"/>
+          <a:chExt cx="0" cy="0"/>
+        </a:xfrm>
+      </p:grpSpPr>
+      <p:pic>
+        <p:nvPicPr>
+          <p:cNvPr id="5" name="Picture 4" descr="A screenshot of a cell phone&#10;&#10;Description automatically generated">
+            <a:extLst>
+              <a:ext uri="{FF2B5EF4-FFF2-40B4-BE49-F238E27FC236}">
+                <a16:creationId xmlns:a16="http://schemas.microsoft.com/office/drawing/2014/main" id="{FD916D1F-0123-4CC5-864D-0BE1EA728167}"/>
+              </a:ext>
+            </a:extLst>
+          </p:cNvPr>
+          <p:cNvPicPr>
+            <a:picLocks noChangeAspect="1"/>
+          </p:cNvPicPr>
+          <p:nvPr/>
+        </p:nvPicPr>
+        <p:blipFill>
+          <a:blip r:embed="rId2">
+            <a:extLst>
+              <a:ext uri="{28A0092B-C50C-407E-A947-70E740481C1C}">
+                <a14:useLocalDpi xmlns:a14="http://schemas.microsoft.com/office/drawing/2010/main" val="0"/>
+              </a:ext>
+            </a:extLst>
+          </a:blip>
+          <a:stretch>
+            <a:fillRect/>
+          </a:stretch>
+        </p:blipFill>
+        <p:spPr>
+          <a:xfrm>
+            <a:off x="482600" y="861405"/>
+            <a:ext cx="8178799" cy="5135189"/>
+          </a:xfrm>
+          <a:prstGeom prst="rect">
+            <a:avLst/>
+          </a:prstGeom>
+        </p:spPr>
+      </p:pic>
+    </p:spTree>
+    <p:extLst>
+      <p:ext uri="{BB962C8B-B14F-4D97-AF65-F5344CB8AC3E}">
+        <p14:creationId xmlns:p14="http://schemas.microsoft.com/office/powerpoint/2010/main" val="4154134881"/>
       </p:ext>
     </p:extLst>
   </p:cSld>
